--- a/CV-FabienDesablens-EN.pptx
+++ b/CV-FabienDesablens-EN.pptx
@@ -3614,7 +3614,7 @@
           <a:lstStyle/>
           <a:p>
             <a:pPr algn="ctr"/>
-            <a:endParaRPr lang="en-US"/>
+            <a:endParaRPr lang="en-US" dirty="0"/>
           </a:p>
         </p:txBody>
       </p:sp>
@@ -4997,14 +4997,14 @@
           <p:nvPr>
             <p:extLst>
               <p:ext uri="{D42A27DB-BD31-4B8C-83A1-F6EECF244321}">
-                <p14:modId xmlns:p14="http://schemas.microsoft.com/office/powerpoint/2010/main" val="3968489150"/>
+                <p14:modId xmlns:p14="http://schemas.microsoft.com/office/powerpoint/2010/main" val="3342396664"/>
               </p:ext>
             </p:extLst>
           </p:nvPr>
         </p:nvGraphicFramePr>
         <p:xfrm>
-          <a:off x="5726553" y="3240476"/>
-          <a:ext cx="1776068" cy="1709361"/>
+          <a:off x="5744241" y="3101700"/>
+          <a:ext cx="1776068" cy="2258001"/>
         </p:xfrm>
         <a:graphic>
           <a:graphicData uri="http://schemas.openxmlformats.org/drawingml/2006/table">
@@ -5083,8 +5083,27 @@
                           <a:ea typeface="Times New Roman" charset="0"/>
                           <a:cs typeface="Times New Roman" charset="0"/>
                         </a:rPr>
-                        <a:t>6001 Marcinelle</a:t>
+                        <a:t>6001 Marcinelle </a:t>
                       </a:r>
+                      <a:r>
+                        <a:rPr lang="fr-FR" sz="1200" b="1" i="0" noProof="0" dirty="0" err="1">
+                          <a:solidFill>
+                            <a:schemeClr val="bg1"/>
+                          </a:solidFill>
+                          <a:latin typeface="+mn-lt"/>
+                          <a:ea typeface="Times New Roman" charset="0"/>
+                          <a:cs typeface="Times New Roman" charset="0"/>
+                        </a:rPr>
+                        <a:t>Belgium</a:t>
+                      </a:r>
+                      <a:endParaRPr lang="fr-FR" sz="1200" b="1" i="0" noProof="0" dirty="0">
+                        <a:solidFill>
+                          <a:schemeClr val="bg1"/>
+                        </a:solidFill>
+                        <a:latin typeface="+mn-lt"/>
+                        <a:ea typeface="Times New Roman" charset="0"/>
+                        <a:cs typeface="Times New Roman" charset="0"/>
+                      </a:endParaRPr>
                     </a:p>
                   </a:txBody>
                   <a:tcPr anchor="ctr"/>
@@ -5265,6 +5284,114 @@
                   </a:ext>
                 </a:extLst>
               </a:tr>
+              <a:tr h="273600">
+                <a:tc>
+                  <a:txBody>
+                    <a:bodyPr/>
+                    <a:lstStyle/>
+                    <a:p>
+                      <a:pPr marL="7938" marR="0" lvl="0" indent="0" algn="just" defTabSz="457200" rtl="0" eaLnBrk="1" fontAlgn="auto" latinLnBrk="0" hangingPunct="1">
+                        <a:lnSpc>
+                          <a:spcPct val="100000"/>
+                        </a:lnSpc>
+                        <a:spcBef>
+                          <a:spcPts val="0"/>
+                        </a:spcBef>
+                        <a:spcAft>
+                          <a:spcPts val="0"/>
+                        </a:spcAft>
+                        <a:buClrTx/>
+                        <a:buSzTx/>
+                        <a:buFont typeface="Courier New" charset="0"/>
+                        <a:buNone/>
+                        <a:tabLst/>
+                        <a:defRPr/>
+                      </a:pPr>
+                      <a:r>
+                        <a:rPr lang="fr-BE" sz="1200" b="1" dirty="0">
+                          <a:solidFill>
+                            <a:schemeClr val="bg1"/>
+                          </a:solidFill>
+                        </a:rPr>
+                        <a:t>/Fabien-</a:t>
+                      </a:r>
+                      <a:r>
+                        <a:rPr lang="fr-BE" sz="1200" b="1" dirty="0" err="1">
+                          <a:solidFill>
+                            <a:schemeClr val="bg1"/>
+                          </a:solidFill>
+                        </a:rPr>
+                        <a:t>desablens</a:t>
+                      </a:r>
+                      <a:endParaRPr lang="fr-BE" sz="1200" b="1" dirty="0">
+                        <a:solidFill>
+                          <a:schemeClr val="bg1"/>
+                        </a:solidFill>
+                      </a:endParaRPr>
+                    </a:p>
+                  </a:txBody>
+                  <a:tcPr anchor="ctr"/>
+                </a:tc>
+                <a:extLst>
+                  <a:ext uri="{0D108BD9-81ED-4DB2-BD59-A6C34878D82A}">
+                    <a16:rowId xmlns:a16="http://schemas.microsoft.com/office/drawing/2014/main" val="3624642935"/>
+                  </a:ext>
+                </a:extLst>
+              </a:tr>
+              <a:tr h="273600">
+                <a:tc>
+                  <a:txBody>
+                    <a:bodyPr/>
+                    <a:lstStyle/>
+                    <a:p>
+                      <a:pPr marL="7938" marR="0" lvl="0" indent="0" algn="just" defTabSz="457200" rtl="0" eaLnBrk="1" fontAlgn="auto" latinLnBrk="0" hangingPunct="1">
+                        <a:lnSpc>
+                          <a:spcPct val="100000"/>
+                        </a:lnSpc>
+                        <a:spcBef>
+                          <a:spcPts val="0"/>
+                        </a:spcBef>
+                        <a:spcAft>
+                          <a:spcPts val="0"/>
+                        </a:spcAft>
+                        <a:buClrTx/>
+                        <a:buSzTx/>
+                        <a:buFont typeface="Courier New" charset="0"/>
+                        <a:buNone/>
+                        <a:tabLst/>
+                        <a:defRPr/>
+                      </a:pPr>
+                      <a:r>
+                        <a:rPr lang="fr-BE" sz="1200" b="1" dirty="0">
+                          <a:solidFill>
+                            <a:schemeClr val="bg1"/>
+                          </a:solidFill>
+                        </a:rPr>
+                        <a:t>/fabien-</a:t>
+                      </a:r>
+                      <a:r>
+                        <a:rPr lang="fr-BE" sz="1200" b="1" dirty="0" err="1">
+                          <a:solidFill>
+                            <a:schemeClr val="bg1"/>
+                          </a:solidFill>
+                        </a:rPr>
+                        <a:t>desablens</a:t>
+                      </a:r>
+                      <a:endParaRPr lang="fr-BE" sz="1200" b="1" dirty="0">
+                        <a:solidFill>
+                          <a:schemeClr val="bg1"/>
+                        </a:solidFill>
+                      </a:endParaRPr>
+                    </a:p>
+                  </a:txBody>
+                  <a:tcPr anchor="ctr"/>
+                </a:tc>
+                <a:extLst>
+                  <a:ext uri="{0D108BD9-81ED-4DB2-BD59-A6C34878D82A}">
+                    <a16:rowId xmlns:a16="http://schemas.microsoft.com/office/drawing/2014/main" val="594675438"/>
+                  </a:ext>
+                </a:extLst>
+              </a:tr>
             </a:tbl>
           </a:graphicData>
         </a:graphic>
@@ -5313,7 +5440,7 @@
         </p:nvCxnSpPr>
         <p:spPr>
           <a:xfrm>
-            <a:off x="965200" y="9328404"/>
+            <a:off x="965200" y="8689298"/>
             <a:ext cx="4114800" cy="0"/>
           </a:xfrm>
           <a:prstGeom prst="line">
@@ -5437,7 +5564,7 @@
         </p:nvSpPr>
         <p:spPr>
           <a:xfrm>
-            <a:off x="339882" y="6215918"/>
+            <a:off x="345701" y="6059073"/>
             <a:ext cx="415986" cy="415986"/>
           </a:xfrm>
           <a:prstGeom prst="ellipse">
@@ -5777,7 +5904,7 @@
         </p:nvSpPr>
         <p:spPr>
           <a:xfrm>
-            <a:off x="1011766" y="6256271"/>
+            <a:off x="995847" y="6091182"/>
             <a:ext cx="2828925" cy="323165"/>
           </a:xfrm>
           <a:prstGeom prst="rect">
@@ -6279,7 +6406,7 @@
         </p:blipFill>
         <p:spPr>
           <a:xfrm>
-            <a:off x="430425" y="6327581"/>
+            <a:off x="436244" y="6170736"/>
             <a:ext cx="239312" cy="239312"/>
           </a:xfrm>
           <a:prstGeom prst="rect">
@@ -6571,7 +6698,7 @@
         </p:nvCxnSpPr>
         <p:spPr>
           <a:xfrm>
-            <a:off x="926385" y="6114215"/>
+            <a:off x="926385" y="5888558"/>
             <a:ext cx="4114800" cy="0"/>
           </a:xfrm>
           <a:prstGeom prst="line">
@@ -6607,7 +6734,7 @@
         </p:nvSpPr>
         <p:spPr>
           <a:xfrm>
-            <a:off x="328530" y="9454511"/>
+            <a:off x="327947" y="8827494"/>
             <a:ext cx="415986" cy="415986"/>
           </a:xfrm>
           <a:prstGeom prst="ellipse">
@@ -6665,7 +6792,7 @@
         </p:blipFill>
         <p:spPr>
           <a:xfrm>
-            <a:off x="360630" y="9519878"/>
+            <a:off x="360047" y="8892861"/>
             <a:ext cx="350619" cy="350619"/>
           </a:xfrm>
           <a:prstGeom prst="rect">
@@ -6687,8 +6814,8 @@
         </p:nvSpPr>
         <p:spPr>
           <a:xfrm>
-            <a:off x="1038860" y="9906787"/>
-            <a:ext cx="2286203" cy="692497"/>
+            <a:off x="1032660" y="9337875"/>
+            <a:ext cx="3708066" cy="861774"/>
           </a:xfrm>
           <a:prstGeom prst="rect">
             <a:avLst/>
@@ -6736,7 +6863,23 @@
             </a:pPr>
             <a:r>
               <a:rPr lang="fr-BE" sz="1100" dirty="0"/>
-              <a:t>Music</a:t>
+              <a:t>Music (IG : @</a:t>
+            </a:r>
+            <a:r>
+              <a:rPr lang="fr-BE" sz="1100" dirty="0" err="1"/>
+              <a:t>streetkorner</a:t>
+            </a:r>
+            <a:r>
+              <a:rPr lang="fr-BE" sz="1100" dirty="0"/>
+              <a:t>, @</a:t>
+            </a:r>
+            <a:r>
+              <a:rPr lang="fr-BE" sz="1100" dirty="0" err="1"/>
+              <a:t>skpunchline</a:t>
+            </a:r>
+            <a:r>
+              <a:rPr lang="fr-BE" sz="1100" dirty="0"/>
+              <a:t>, @sk16mesures)</a:t>
             </a:r>
           </a:p>
           <a:p>
@@ -6764,6 +6907,17 @@
               <a:t>Theater</a:t>
             </a:r>
           </a:p>
+          <a:p>
+            <a:pPr marL="171450" indent="-171450">
+              <a:buClr>
+                <a:srgbClr val="1F497D"/>
+              </a:buClr>
+              <a:buSzPct val="130000"/>
+              <a:buFont typeface="Wingdings" panose="05000000000000000000" pitchFamily="2" charset="2"/>
+              <a:buChar char="ü"/>
+            </a:pPr>
+            <a:endParaRPr lang="fr-BE" sz="1100" dirty="0"/>
+          </a:p>
         </p:txBody>
       </p:sp>
       <p:sp>
@@ -6774,7 +6928,7 @@
         </p:nvSpPr>
         <p:spPr>
           <a:xfrm>
-            <a:off x="1011237" y="9541740"/>
+            <a:off x="995847" y="8873243"/>
             <a:ext cx="2828925" cy="323165"/>
           </a:xfrm>
           <a:prstGeom prst="rect">
@@ -6808,14 +6962,14 @@
           <p:nvPr>
             <p:extLst>
               <p:ext uri="{D42A27DB-BD31-4B8C-83A1-F6EECF244321}">
-                <p14:modId xmlns:p14="http://schemas.microsoft.com/office/powerpoint/2010/main" val="667065433"/>
+                <p14:modId xmlns:p14="http://schemas.microsoft.com/office/powerpoint/2010/main" val="788866781"/>
               </p:ext>
             </p:extLst>
           </p:nvPr>
         </p:nvGraphicFramePr>
         <p:xfrm>
-          <a:off x="32563" y="4740639"/>
-          <a:ext cx="5183917" cy="941302"/>
+          <a:off x="74725" y="4234015"/>
+          <a:ext cx="5183917" cy="1430622"/>
         </p:xfrm>
         <a:graphic>
           <a:graphicData uri="http://schemas.openxmlformats.org/drawingml/2006/table">
@@ -6839,6 +6993,171 @@
                   </a:extLst>
                 </a:gridCol>
               </a:tblGrid>
+              <a:tr h="489320">
+                <a:tc>
+                  <a:txBody>
+                    <a:bodyPr/>
+                    <a:lstStyle/>
+                    <a:p>
+                      <a:pPr marL="7938" marR="0" indent="0" algn="ctr" defTabSz="457200" rtl="0" eaLnBrk="1" fontAlgn="auto" latinLnBrk="0" hangingPunct="1">
+                        <a:lnSpc>
+                          <a:spcPct val="100000"/>
+                        </a:lnSpc>
+                        <a:spcBef>
+                          <a:spcPts val="0"/>
+                        </a:spcBef>
+                        <a:spcAft>
+                          <a:spcPts val="0"/>
+                        </a:spcAft>
+                        <a:buClrTx/>
+                        <a:buSzTx/>
+                        <a:buFontTx/>
+                        <a:buNone/>
+                        <a:tabLst/>
+                        <a:defRPr/>
+                      </a:pPr>
+                      <a:r>
+                        <a:rPr lang="fr-BE" sz="1200" b="1" dirty="0">
+                          <a:solidFill>
+                            <a:srgbClr val="58585A"/>
+                          </a:solidFill>
+                        </a:rPr>
+                        <a:t>2019</a:t>
+                      </a:r>
+                      <a:endParaRPr lang="fr-FR" sz="1200" b="1" i="0" dirty="0">
+                        <a:solidFill>
+                          <a:srgbClr val="58585A"/>
+                        </a:solidFill>
+                        <a:latin typeface="+mn-lt"/>
+                        <a:ea typeface="Times New Roman" charset="0"/>
+                        <a:cs typeface="Times New Roman" charset="0"/>
+                      </a:endParaRPr>
+                    </a:p>
+                  </a:txBody>
+                  <a:tcPr marL="86222" marR="86222" marT="43111" marB="43111">
+                    <a:lnL w="3175" cap="flat" cmpd="sng" algn="ctr">
+                      <a:noFill/>
+                      <a:prstDash val="solid"/>
+                      <a:round/>
+                      <a:headEnd type="none" w="med" len="med"/>
+                      <a:tailEnd type="none" w="med" len="med"/>
+                    </a:lnL>
+                    <a:lnR w="12700" cmpd="sng">
+                      <a:noFill/>
+                    </a:lnR>
+                    <a:lnT w="12700" cmpd="sng">
+                      <a:noFill/>
+                    </a:lnT>
+                    <a:lnB w="9525" cap="flat" cmpd="sng" algn="ctr">
+                      <a:noFill/>
+                      <a:prstDash val="solid"/>
+                      <a:round/>
+                      <a:headEnd type="none" w="med" len="med"/>
+                      <a:tailEnd type="none" w="med" len="med"/>
+                    </a:lnB>
+                    <a:lnTlToBr w="12700" cmpd="sng">
+                      <a:noFill/>
+                      <a:prstDash val="solid"/>
+                    </a:lnTlToBr>
+                    <a:lnBlToTr w="12700" cmpd="sng">
+                      <a:noFill/>
+                      <a:prstDash val="solid"/>
+                    </a:lnBlToTr>
+                  </a:tcPr>
+                </a:tc>
+                <a:tc>
+                  <a:txBody>
+                    <a:bodyPr/>
+                    <a:lstStyle/>
+                    <a:p>
+                      <a:r>
+                        <a:rPr lang="fr-BE" sz="1200" b="1" dirty="0">
+                          <a:solidFill>
+                            <a:schemeClr val="tx2"/>
+                          </a:solidFill>
+                        </a:rPr>
+                        <a:t>Training - Junior Web </a:t>
+                      </a:r>
+                      <a:r>
+                        <a:rPr lang="fr-BE" sz="1200" b="1" dirty="0" err="1">
+                          <a:solidFill>
+                            <a:schemeClr val="tx2"/>
+                          </a:solidFill>
+                        </a:rPr>
+                        <a:t>developer</a:t>
+                      </a:r>
+                      <a:endParaRPr lang="fr-BE" sz="1200" b="1" dirty="0">
+                        <a:solidFill>
+                          <a:schemeClr val="tx2"/>
+                        </a:solidFill>
+                      </a:endParaRPr>
+                    </a:p>
+                    <a:p>
+                      <a:r>
+                        <a:rPr lang="fr-BE" sz="1200" b="1" dirty="0">
+                          <a:solidFill>
+                            <a:schemeClr val="tx2"/>
+                          </a:solidFill>
+                        </a:rPr>
+                        <a:t>  </a:t>
+                      </a:r>
+                      <a:r>
+                        <a:rPr lang="fr-BE" sz="1200" b="1" dirty="0">
+                          <a:solidFill>
+                            <a:schemeClr val="bg1">
+                              <a:lumMod val="50000"/>
+                            </a:schemeClr>
+                          </a:solidFill>
+                          <a:hlinkClick r:id="rId10"/>
+                        </a:rPr>
+                        <a:t>Becode.org</a:t>
+                      </a:r>
+                      <a:endParaRPr lang="fr-BE" sz="1200" b="1" dirty="0">
+                        <a:solidFill>
+                          <a:schemeClr val="bg1">
+                            <a:lumMod val="50000"/>
+                          </a:schemeClr>
+                        </a:solidFill>
+                      </a:endParaRPr>
+                    </a:p>
+                  </a:txBody>
+                  <a:tcPr marL="86222" marR="86222" marT="43111" marB="43111">
+                    <a:lnL w="3175" cap="flat" cmpd="sng" algn="ctr">
+                      <a:noFill/>
+                      <a:prstDash val="solid"/>
+                      <a:round/>
+                      <a:headEnd type="none" w="med" len="med"/>
+                      <a:tailEnd type="none" w="med" len="med"/>
+                    </a:lnL>
+                    <a:lnR w="12700" cmpd="sng">
+                      <a:noFill/>
+                    </a:lnR>
+                    <a:lnT w="12700" cmpd="sng">
+                      <a:noFill/>
+                    </a:lnT>
+                    <a:lnB w="9525" cap="flat" cmpd="sng" algn="ctr">
+                      <a:noFill/>
+                      <a:prstDash val="solid"/>
+                      <a:round/>
+                      <a:headEnd type="none" w="med" len="med"/>
+                      <a:tailEnd type="none" w="med" len="med"/>
+                    </a:lnB>
+                    <a:lnTlToBr w="12700" cmpd="sng">
+                      <a:noFill/>
+                      <a:prstDash val="solid"/>
+                    </a:lnTlToBr>
+                    <a:lnBlToTr w="12700" cmpd="sng">
+                      <a:noFill/>
+                      <a:prstDash val="solid"/>
+                    </a:lnBlToTr>
+                  </a:tcPr>
+                </a:tc>
+                <a:extLst>
+                  <a:ext uri="{0D108BD9-81ED-4DB2-BD59-A6C34878D82A}">
+                    <a16:rowId xmlns:a16="http://schemas.microsoft.com/office/drawing/2014/main" val="65674144"/>
+                  </a:ext>
+                </a:extLst>
+              </a:tr>
               <a:tr h="489320">
                 <a:tc>
                   <a:txBody>
@@ -7479,36 +7798,6 @@
           <p:nvPr/>
         </p:nvPicPr>
         <p:blipFill>
-          <a:blip r:embed="rId10">
-            <a:extLst>
-              <a:ext uri="{28A0092B-C50C-407E-A947-70E740481C1C}">
-                <a14:useLocalDpi xmlns:a14="http://schemas.microsoft.com/office/drawing/2010/main" val="0"/>
-              </a:ext>
-            </a:extLst>
-          </a:blip>
-          <a:stretch>
-            <a:fillRect/>
-          </a:stretch>
-        </p:blipFill>
-        <p:spPr>
-          <a:xfrm>
-            <a:off x="5726553" y="2734426"/>
-            <a:ext cx="269910" cy="270973"/>
-          </a:xfrm>
-          <a:prstGeom prst="rect">
-            <a:avLst/>
-          </a:prstGeom>
-        </p:spPr>
-      </p:pic>
-      <p:pic>
-        <p:nvPicPr>
-          <p:cNvPr id="5" name="Picture 4"/>
-          <p:cNvPicPr>
-            <a:picLocks noChangeAspect="1"/>
-          </p:cNvPicPr>
-          <p:nvPr/>
-        </p:nvPicPr>
-        <p:blipFill>
           <a:blip r:embed="rId11">
             <a:extLst>
               <a:ext uri="{28A0092B-C50C-407E-A947-70E740481C1C}">
@@ -7522,8 +7811,8 @@
         </p:blipFill>
         <p:spPr>
           <a:xfrm>
-            <a:off x="5547457" y="3775120"/>
-            <a:ext cx="216000" cy="216000"/>
+            <a:off x="5726553" y="2734426"/>
+            <a:ext cx="269910" cy="270973"/>
           </a:xfrm>
           <a:prstGeom prst="rect">
             <a:avLst/>
@@ -7532,7 +7821,7 @@
       </p:pic>
       <p:pic>
         <p:nvPicPr>
-          <p:cNvPr id="7" name="Picture 6"/>
+          <p:cNvPr id="5" name="Picture 4"/>
           <p:cNvPicPr>
             <a:picLocks noChangeAspect="1"/>
           </p:cNvPicPr>
@@ -7552,8 +7841,8 @@
         </p:blipFill>
         <p:spPr>
           <a:xfrm>
-            <a:off x="5583281" y="4745576"/>
-            <a:ext cx="166241" cy="166241"/>
+            <a:off x="5547457" y="3642989"/>
+            <a:ext cx="216000" cy="216000"/>
           </a:xfrm>
           <a:prstGeom prst="rect">
             <a:avLst/>
@@ -7562,13 +7851,13 @@
       </p:pic>
       <p:pic>
         <p:nvPicPr>
-          <p:cNvPr id="9" name="Picture 8"/>
+          <p:cNvPr id="7" name="Picture 6"/>
           <p:cNvPicPr>
             <a:picLocks noChangeAspect="1"/>
           </p:cNvPicPr>
           <p:nvPr/>
         </p:nvPicPr>
-        <p:blipFill rotWithShape="1">
+        <p:blipFill>
           <a:blip r:embed="rId13">
             <a:extLst>
               <a:ext uri="{28A0092B-C50C-407E-A947-70E740481C1C}">
@@ -7576,13 +7865,14 @@
               </a:ext>
             </a:extLst>
           </a:blip>
-          <a:srcRect l="7124" t="18302" r="6857" b="19313"/>
-          <a:stretch/>
+          <a:stretch>
+            <a:fillRect/>
+          </a:stretch>
         </p:blipFill>
         <p:spPr>
           <a:xfrm>
-            <a:off x="5564902" y="4451237"/>
-            <a:ext cx="198555" cy="144000"/>
+            <a:off x="5572335" y="4596399"/>
+            <a:ext cx="166241" cy="166241"/>
           </a:xfrm>
           <a:prstGeom prst="rect">
             <a:avLst/>
@@ -7591,7 +7881,7 @@
       </p:pic>
       <p:pic>
         <p:nvPicPr>
-          <p:cNvPr id="10" name="Picture 9"/>
+          <p:cNvPr id="9" name="Picture 8"/>
           <p:cNvPicPr>
             <a:picLocks noChangeAspect="1"/>
           </p:cNvPicPr>
@@ -7605,12 +7895,41 @@
               </a:ext>
             </a:extLst>
           </a:blip>
+          <a:srcRect l="7124" t="18302" r="6857" b="19313"/>
+          <a:stretch/>
+        </p:blipFill>
+        <p:spPr>
+          <a:xfrm>
+            <a:off x="5564902" y="4319605"/>
+            <a:ext cx="198555" cy="144000"/>
+          </a:xfrm>
+          <a:prstGeom prst="rect">
+            <a:avLst/>
+          </a:prstGeom>
+        </p:spPr>
+      </p:pic>
+      <p:pic>
+        <p:nvPicPr>
+          <p:cNvPr id="10" name="Picture 9"/>
+          <p:cNvPicPr>
+            <a:picLocks noChangeAspect="1"/>
+          </p:cNvPicPr>
+          <p:nvPr/>
+        </p:nvPicPr>
+        <p:blipFill rotWithShape="1">
+          <a:blip r:embed="rId15">
+            <a:extLst>
+              <a:ext uri="{28A0092B-C50C-407E-A947-70E740481C1C}">
+                <a14:useLocalDpi xmlns:a14="http://schemas.microsoft.com/office/drawing/2010/main" val="0"/>
+              </a:ext>
+            </a:extLst>
+          </a:blip>
           <a:srcRect r="31021"/>
           <a:stretch/>
         </p:blipFill>
         <p:spPr>
           <a:xfrm>
-            <a:off x="5580960" y="3381896"/>
+            <a:off x="5588103" y="3215842"/>
             <a:ext cx="148994" cy="216000"/>
           </a:xfrm>
           <a:prstGeom prst="rect">
@@ -7627,7 +7946,7 @@
           <p:nvPr/>
         </p:nvPicPr>
         <p:blipFill>
-          <a:blip r:embed="rId15">
+          <a:blip r:embed="rId16">
             <a:extLst>
               <a:ext uri="{28A0092B-C50C-407E-A947-70E740481C1C}">
                 <a14:useLocalDpi xmlns:a14="http://schemas.microsoft.com/office/drawing/2010/main" val="0"/>
@@ -7640,7 +7959,7 @@
         </p:blipFill>
         <p:spPr>
           <a:xfrm>
-            <a:off x="5559456" y="4135008"/>
+            <a:off x="5559456" y="3985320"/>
             <a:ext cx="192001" cy="144000"/>
           </a:xfrm>
           <a:prstGeom prst="rect">
@@ -7648,86 +7967,6 @@
           </a:prstGeom>
         </p:spPr>
       </p:pic>
-      <p:sp>
-        <p:nvSpPr>
-          <p:cNvPr id="15" name="ZoneTexte 14">
-            <a:extLst>
-              <a:ext uri="{FF2B5EF4-FFF2-40B4-BE49-F238E27FC236}">
-                <a16:creationId xmlns:a16="http://schemas.microsoft.com/office/drawing/2014/main" id="{0BB22E7F-C3F0-459F-A479-ED7BDBD08513}"/>
-              </a:ext>
-            </a:extLst>
-          </p:cNvPr>
-          <p:cNvSpPr txBox="1"/>
-          <p:nvPr/>
-        </p:nvSpPr>
-        <p:spPr>
-          <a:xfrm>
-            <a:off x="60229" y="4293799"/>
-            <a:ext cx="5156251" cy="461665"/>
-          </a:xfrm>
-          <a:prstGeom prst="rect">
-            <a:avLst/>
-          </a:prstGeom>
-          <a:noFill/>
-        </p:spPr>
-        <p:txBody>
-          <a:bodyPr wrap="square" rtlCol="0">
-            <a:spAutoFit/>
-          </a:bodyPr>
-          <a:lstStyle/>
-          <a:p>
-            <a:r>
-              <a:rPr lang="fr-BE" sz="1200" b="1" dirty="0">
-                <a:solidFill>
-                  <a:srgbClr val="58585A"/>
-                </a:solidFill>
-              </a:rPr>
-              <a:t>      2019             </a:t>
-            </a:r>
-            <a:r>
-              <a:rPr lang="fr-BE" sz="1200" b="1" dirty="0">
-                <a:solidFill>
-                  <a:schemeClr val="tx2"/>
-                </a:solidFill>
-              </a:rPr>
-              <a:t>Training - Junior Web </a:t>
-            </a:r>
-            <a:r>
-              <a:rPr lang="fr-BE" sz="1200" b="1" dirty="0" err="1">
-                <a:solidFill>
-                  <a:schemeClr val="tx2"/>
-                </a:solidFill>
-              </a:rPr>
-              <a:t>developer</a:t>
-            </a:r>
-            <a:endParaRPr lang="fr-BE" sz="1200" b="1" dirty="0">
-              <a:solidFill>
-                <a:schemeClr val="tx2"/>
-              </a:solidFill>
-            </a:endParaRPr>
-          </a:p>
-          <a:p>
-            <a:r>
-              <a:rPr lang="fr-BE" sz="1200" b="1" dirty="0">
-                <a:solidFill>
-                  <a:schemeClr val="tx2"/>
-                </a:solidFill>
-              </a:rPr>
-              <a:t>	               </a:t>
-            </a:r>
-            <a:r>
-              <a:rPr lang="fr-BE" sz="1200" b="1" dirty="0">
-                <a:solidFill>
-                  <a:schemeClr val="bg1">
-                    <a:lumMod val="50000"/>
-                  </a:schemeClr>
-                </a:solidFill>
-              </a:rPr>
-              <a:t>Becode.org</a:t>
-            </a:r>
-          </a:p>
-        </p:txBody>
-      </p:sp>
       <p:sp>
         <p:nvSpPr>
           <p:cNvPr id="73" name="Rectangle 72">
@@ -7828,6 +8067,66 @@
           </a:p>
         </p:txBody>
       </p:sp>
+      <p:pic>
+        <p:nvPicPr>
+          <p:cNvPr id="18" name="Image 17">
+            <a:extLst>
+              <a:ext uri="{FF2B5EF4-FFF2-40B4-BE49-F238E27FC236}">
+                <a16:creationId xmlns:a16="http://schemas.microsoft.com/office/drawing/2014/main" id="{5A5BAE5F-24BF-46BA-8B41-3FFB8E34C9D4}"/>
+              </a:ext>
+            </a:extLst>
+          </p:cNvPr>
+          <p:cNvPicPr>
+            <a:picLocks noChangeAspect="1"/>
+          </p:cNvPicPr>
+          <p:nvPr/>
+        </p:nvPicPr>
+        <p:blipFill>
+          <a:blip r:embed="rId17"/>
+          <a:stretch>
+            <a:fillRect/>
+          </a:stretch>
+        </p:blipFill>
+        <p:spPr>
+          <a:xfrm>
+            <a:off x="5572335" y="4844449"/>
+            <a:ext cx="192869" cy="192869"/>
+          </a:xfrm>
+          <a:prstGeom prst="rect">
+            <a:avLst/>
+          </a:prstGeom>
+        </p:spPr>
+      </p:pic>
+      <p:pic>
+        <p:nvPicPr>
+          <p:cNvPr id="21" name="Image 20">
+            <a:extLst>
+              <a:ext uri="{FF2B5EF4-FFF2-40B4-BE49-F238E27FC236}">
+                <a16:creationId xmlns:a16="http://schemas.microsoft.com/office/drawing/2014/main" id="{F8D64906-214E-4DD7-A553-ADBF639A466B}"/>
+              </a:ext>
+            </a:extLst>
+          </p:cNvPr>
+          <p:cNvPicPr>
+            <a:picLocks noChangeAspect="1"/>
+          </p:cNvPicPr>
+          <p:nvPr/>
+        </p:nvPicPr>
+        <p:blipFill>
+          <a:blip r:embed="rId18"/>
+          <a:stretch>
+            <a:fillRect/>
+          </a:stretch>
+        </p:blipFill>
+        <p:spPr>
+          <a:xfrm>
+            <a:off x="5564902" y="5104194"/>
+            <a:ext cx="233643" cy="198689"/>
+          </a:xfrm>
+          <a:prstGeom prst="rect">
+            <a:avLst/>
+          </a:prstGeom>
+        </p:spPr>
+      </p:pic>
     </p:spTree>
     <p:extLst>
       <p:ext uri="{BB962C8B-B14F-4D97-AF65-F5344CB8AC3E}">
